--- a/assets/Template_Presentazioni.pptx
+++ b/assets/Template_Presentazioni.pptx
@@ -198,7 +198,7 @@
           <a:p>
             <a:fld id="{A7068D20-F0A3-498A-97B7-EC63E3A23307}" type="datetimeFigureOut">
               <a:rPr lang="en-US" smtClean="0"/>
-              <a:t>9/15/2025</a:t>
+              <a:t>9/23/2025</a:t>
             </a:fld>
             <a:endParaRPr lang="en-US"/>
           </a:p>
@@ -356,7 +356,7 @@
           <a:p>
             <a:fld id="{4ED9453F-32D4-4688-9517-9BA5F7630F2C}" type="slidenum">
               <a:rPr lang="en-US" smtClean="0"/>
-              <a:t>‹N›</a:t>
+              <a:t>‹#›</a:t>
             </a:fld>
             <a:endParaRPr lang="en-US"/>
           </a:p>
@@ -701,7 +701,7 @@
           <a:p>
             <a:fld id="{A46E1383-3C7E-4AC6-BE6C-459D51C9EAEE}" type="datetimeFigureOut">
               <a:rPr lang="en-US" smtClean="0"/>
-              <a:t>9/15/2025</a:t>
+              <a:t>9/23/2025</a:t>
             </a:fld>
             <a:endParaRPr lang="en-US"/>
           </a:p>
@@ -755,7 +755,7 @@
           <a:p>
             <a:fld id="{9044AB2E-F5F3-42E0-B58A-8A1B127299C4}" type="slidenum">
               <a:rPr lang="en-US" smtClean="0"/>
-              <a:t>‹N›</a:t>
+              <a:t>‹#›</a:t>
             </a:fld>
             <a:endParaRPr lang="en-US"/>
           </a:p>
@@ -899,7 +899,7 @@
           <a:p>
             <a:fld id="{A46E1383-3C7E-4AC6-BE6C-459D51C9EAEE}" type="datetimeFigureOut">
               <a:rPr lang="en-US" smtClean="0"/>
-              <a:t>9/15/2025</a:t>
+              <a:t>9/23/2025</a:t>
             </a:fld>
             <a:endParaRPr lang="en-US"/>
           </a:p>
@@ -953,7 +953,7 @@
           <a:p>
             <a:fld id="{9044AB2E-F5F3-42E0-B58A-8A1B127299C4}" type="slidenum">
               <a:rPr lang="en-US" smtClean="0"/>
-              <a:t>‹N›</a:t>
+              <a:t>‹#›</a:t>
             </a:fld>
             <a:endParaRPr lang="en-US"/>
           </a:p>
@@ -1107,7 +1107,7 @@
           <a:p>
             <a:fld id="{A46E1383-3C7E-4AC6-BE6C-459D51C9EAEE}" type="datetimeFigureOut">
               <a:rPr lang="en-US" smtClean="0"/>
-              <a:t>9/15/2025</a:t>
+              <a:t>9/23/2025</a:t>
             </a:fld>
             <a:endParaRPr lang="en-US"/>
           </a:p>
@@ -1161,7 +1161,7 @@
           <a:p>
             <a:fld id="{9044AB2E-F5F3-42E0-B58A-8A1B127299C4}" type="slidenum">
               <a:rPr lang="en-US" smtClean="0"/>
-              <a:t>‹N›</a:t>
+              <a:t>‹#›</a:t>
             </a:fld>
             <a:endParaRPr lang="en-US"/>
           </a:p>
@@ -1663,7 +1663,7 @@
           <a:p>
             <a:fld id="{A46E1383-3C7E-4AC6-BE6C-459D51C9EAEE}" type="datetimeFigureOut">
               <a:rPr lang="en-US" smtClean="0"/>
-              <a:t>9/15/2025</a:t>
+              <a:t>9/23/2025</a:t>
             </a:fld>
             <a:endParaRPr lang="en-US"/>
           </a:p>
@@ -1717,7 +1717,7 @@
           <a:p>
             <a:fld id="{9044AB2E-F5F3-42E0-B58A-8A1B127299C4}" type="slidenum">
               <a:rPr lang="en-US" smtClean="0"/>
-              <a:t>‹N›</a:t>
+              <a:t>‹#›</a:t>
             </a:fld>
             <a:endParaRPr lang="en-US"/>
           </a:p>
@@ -1938,7 +1938,7 @@
           <a:p>
             <a:fld id="{A46E1383-3C7E-4AC6-BE6C-459D51C9EAEE}" type="datetimeFigureOut">
               <a:rPr lang="en-US" smtClean="0"/>
-              <a:t>9/15/2025</a:t>
+              <a:t>9/23/2025</a:t>
             </a:fld>
             <a:endParaRPr lang="en-US"/>
           </a:p>
@@ -1992,7 +1992,7 @@
           <a:p>
             <a:fld id="{9044AB2E-F5F3-42E0-B58A-8A1B127299C4}" type="slidenum">
               <a:rPr lang="en-US" smtClean="0"/>
-              <a:t>‹N›</a:t>
+              <a:t>‹#›</a:t>
             </a:fld>
             <a:endParaRPr lang="en-US"/>
           </a:p>
@@ -2203,7 +2203,7 @@
           <a:p>
             <a:fld id="{A46E1383-3C7E-4AC6-BE6C-459D51C9EAEE}" type="datetimeFigureOut">
               <a:rPr lang="en-US" smtClean="0"/>
-              <a:t>9/15/2025</a:t>
+              <a:t>9/23/2025</a:t>
             </a:fld>
             <a:endParaRPr lang="en-US"/>
           </a:p>
@@ -2257,7 +2257,7 @@
           <a:p>
             <a:fld id="{9044AB2E-F5F3-42E0-B58A-8A1B127299C4}" type="slidenum">
               <a:rPr lang="en-US" smtClean="0"/>
-              <a:t>‹N›</a:t>
+              <a:t>‹#›</a:t>
             </a:fld>
             <a:endParaRPr lang="en-US"/>
           </a:p>
@@ -2615,7 +2615,7 @@
           <a:p>
             <a:fld id="{A46E1383-3C7E-4AC6-BE6C-459D51C9EAEE}" type="datetimeFigureOut">
               <a:rPr lang="en-US" smtClean="0"/>
-              <a:t>9/15/2025</a:t>
+              <a:t>9/23/2025</a:t>
             </a:fld>
             <a:endParaRPr lang="en-US"/>
           </a:p>
@@ -2669,7 +2669,7 @@
           <a:p>
             <a:fld id="{9044AB2E-F5F3-42E0-B58A-8A1B127299C4}" type="slidenum">
               <a:rPr lang="en-US" smtClean="0"/>
-              <a:t>‹N›</a:t>
+              <a:t>‹#›</a:t>
             </a:fld>
             <a:endParaRPr lang="en-US"/>
           </a:p>
@@ -2756,7 +2756,7 @@
           <a:p>
             <a:fld id="{A46E1383-3C7E-4AC6-BE6C-459D51C9EAEE}" type="datetimeFigureOut">
               <a:rPr lang="en-US" smtClean="0"/>
-              <a:t>9/15/2025</a:t>
+              <a:t>9/23/2025</a:t>
             </a:fld>
             <a:endParaRPr lang="en-US"/>
           </a:p>
@@ -2810,7 +2810,7 @@
           <a:p>
             <a:fld id="{9044AB2E-F5F3-42E0-B58A-8A1B127299C4}" type="slidenum">
               <a:rPr lang="en-US" smtClean="0"/>
-              <a:t>‹N›</a:t>
+              <a:t>‹#›</a:t>
             </a:fld>
             <a:endParaRPr lang="en-US"/>
           </a:p>
@@ -2869,7 +2869,7 @@
           <a:p>
             <a:fld id="{A46E1383-3C7E-4AC6-BE6C-459D51C9EAEE}" type="datetimeFigureOut">
               <a:rPr lang="en-US" smtClean="0"/>
-              <a:t>9/15/2025</a:t>
+              <a:t>9/23/2025</a:t>
             </a:fld>
             <a:endParaRPr lang="en-US"/>
           </a:p>
@@ -2923,7 +2923,7 @@
           <a:p>
             <a:fld id="{9044AB2E-F5F3-42E0-B58A-8A1B127299C4}" type="slidenum">
               <a:rPr lang="en-US" smtClean="0"/>
-              <a:t>‹N›</a:t>
+              <a:t>‹#›</a:t>
             </a:fld>
             <a:endParaRPr lang="en-US"/>
           </a:p>
@@ -3180,7 +3180,7 @@
           <a:p>
             <a:fld id="{A46E1383-3C7E-4AC6-BE6C-459D51C9EAEE}" type="datetimeFigureOut">
               <a:rPr lang="en-US" smtClean="0"/>
-              <a:t>9/15/2025</a:t>
+              <a:t>9/23/2025</a:t>
             </a:fld>
             <a:endParaRPr lang="en-US"/>
           </a:p>
@@ -3234,7 +3234,7 @@
           <a:p>
             <a:fld id="{9044AB2E-F5F3-42E0-B58A-8A1B127299C4}" type="slidenum">
               <a:rPr lang="en-US" smtClean="0"/>
-              <a:t>‹N›</a:t>
+              <a:t>‹#›</a:t>
             </a:fld>
             <a:endParaRPr lang="en-US"/>
           </a:p>
@@ -3468,7 +3468,7 @@
           <a:p>
             <a:fld id="{A46E1383-3C7E-4AC6-BE6C-459D51C9EAEE}" type="datetimeFigureOut">
               <a:rPr lang="en-US" smtClean="0"/>
-              <a:t>9/15/2025</a:t>
+              <a:t>9/23/2025</a:t>
             </a:fld>
             <a:endParaRPr lang="en-US"/>
           </a:p>
@@ -3522,7 +3522,7 @@
           <a:p>
             <a:fld id="{9044AB2E-F5F3-42E0-B58A-8A1B127299C4}" type="slidenum">
               <a:rPr lang="en-US" smtClean="0"/>
-              <a:t>‹N›</a:t>
+              <a:t>‹#›</a:t>
             </a:fld>
             <a:endParaRPr lang="en-US"/>
           </a:p>
@@ -3709,7 +3709,7 @@
           <a:p>
             <a:fld id="{A46E1383-3C7E-4AC6-BE6C-459D51C9EAEE}" type="datetimeFigureOut">
               <a:rPr lang="en-US" smtClean="0"/>
-              <a:t>9/15/2025</a:t>
+              <a:t>9/23/2025</a:t>
             </a:fld>
             <a:endParaRPr lang="en-US"/>
           </a:p>
@@ -3799,7 +3799,7 @@
           <a:p>
             <a:fld id="{9044AB2E-F5F3-42E0-B58A-8A1B127299C4}" type="slidenum">
               <a:rPr lang="en-US" smtClean="0"/>
-              <a:t>‹N›</a:t>
+              <a:t>‹#›</a:t>
             </a:fld>
             <a:endParaRPr lang="en-US"/>
           </a:p>
@@ -4403,36 +4403,41 @@
           </a:prstGeom>
         </p:spPr>
       </p:pic>
-      <p:sp>
-        <p:nvSpPr>
-          <p:cNvPr id="7" name="Content Placeholder 6">
-            <a:extLst>
-              <a:ext uri="{FF2B5EF4-FFF2-40B4-BE49-F238E27FC236}">
-                <a16:creationId xmlns:a16="http://schemas.microsoft.com/office/drawing/2014/main" id="{C4C8BEF4-302B-BDED-FB89-F2EB6C4603CA}"/>
-              </a:ext>
-            </a:extLst>
-          </p:cNvPr>
-          <p:cNvSpPr>
-            <a:spLocks noGrp="1"/>
-          </p:cNvSpPr>
+      <p:pic>
+        <p:nvPicPr>
+          <p:cNvPr id="8" name="Content Placeholder 7" descr="A green text on a white background&#10;&#10;AI-generated content may be incorrect.">
+            <a:extLst>
+              <a:ext uri="{FF2B5EF4-FFF2-40B4-BE49-F238E27FC236}">
+                <a16:creationId xmlns:a16="http://schemas.microsoft.com/office/drawing/2014/main" id="{C6427EBA-30BE-A101-5B19-5F7432146F8F}"/>
+              </a:ext>
+            </a:extLst>
+          </p:cNvPr>
+          <p:cNvPicPr>
+            <a:picLocks noGrp="1" noChangeAspect="1"/>
+          </p:cNvPicPr>
           <p:nvPr>
             <p:ph sz="quarter" idx="10"/>
           </p:nvPr>
-        </p:nvSpPr>
+        </p:nvPicPr>
+        <p:blipFill>
+          <a:blip r:embed="rId6">
+            <a:extLst>
+              <a:ext uri="{28A0092B-C50C-407E-A947-70E740481C1C}">
+                <a14:useLocalDpi xmlns:a14="http://schemas.microsoft.com/office/drawing/2010/main" val="0"/>
+              </a:ext>
+            </a:extLst>
+          </a:blip>
+          <a:stretch>
+            <a:fillRect/>
+          </a:stretch>
+        </p:blipFill>
         <p:spPr>
           <a:xfrm>
-            <a:off x="591128" y="1033207"/>
-            <a:ext cx="10773833" cy="1329732"/>
+            <a:off x="9749148" y="5549819"/>
+            <a:ext cx="988801" cy="283707"/>
           </a:xfrm>
         </p:spPr>
-        <p:txBody>
-          <a:bodyPr/>
-          <a:lstStyle/>
-          <a:p>
-            <a:endParaRPr lang="en-US" dirty="0"/>
-          </a:p>
-        </p:txBody>
-      </p:sp>
+      </p:pic>
       <p:sp>
         <p:nvSpPr>
           <p:cNvPr id="3" name="TextBox 2">
@@ -4485,7 +4490,7 @@
           <p:nvPr/>
         </p:nvPicPr>
         <p:blipFill>
-          <a:blip r:embed="rId6"/>
+          <a:blip r:embed="rId7"/>
           <a:srcRect/>
           <a:stretch>
             <a:fillRect/>
@@ -4517,7 +4522,7 @@
           <p:nvPr/>
         </p:nvPicPr>
         <p:blipFill>
-          <a:blip r:embed="rId7"/>
+          <a:blip r:embed="rId8"/>
           <a:srcRect t="26400" b="26000"/>
           <a:stretch>
             <a:fillRect/>
@@ -4619,7 +4624,7 @@
           <p:nvPr/>
         </p:nvPicPr>
         <p:blipFill>
-          <a:blip r:embed="rId8"/>
+          <a:blip r:embed="rId9"/>
           <a:stretch>
             <a:fillRect/>
           </a:stretch>
@@ -4719,7 +4724,7 @@
           <p:nvPr/>
         </p:nvPicPr>
         <p:blipFill>
-          <a:blip r:embed="rId9">
+          <a:blip r:embed="rId10">
             <a:extLst>
               <a:ext uri="{28A0092B-C50C-407E-A947-70E740481C1C}">
                 <a14:useLocalDpi xmlns:a14="http://schemas.microsoft.com/office/drawing/2010/main" val="0"/>
@@ -4755,7 +4760,7 @@
           <p:nvPr/>
         </p:nvPicPr>
         <p:blipFill>
-          <a:blip r:embed="rId10">
+          <a:blip r:embed="rId11">
             <a:extLst>
               <a:ext uri="{28A0092B-C50C-407E-A947-70E740481C1C}">
                 <a14:useLocalDpi xmlns:a14="http://schemas.microsoft.com/office/drawing/2010/main" val="0"/>
@@ -4792,7 +4797,7 @@
           <p:nvPr/>
         </p:nvPicPr>
         <p:blipFill>
-          <a:blip r:embed="rId11"/>
+          <a:blip r:embed="rId12"/>
           <a:stretch>
             <a:fillRect/>
           </a:stretch>
@@ -4822,7 +4827,7 @@
           <p:nvPr/>
         </p:nvPicPr>
         <p:blipFill>
-          <a:blip r:embed="rId12">
+          <a:blip r:embed="rId13">
             <a:extLst>
               <a:ext uri="{28A0092B-C50C-407E-A947-70E740481C1C}">
                 <a14:useLocalDpi xmlns:a14="http://schemas.microsoft.com/office/drawing/2010/main" val="0"/>
@@ -4838,53 +4843,6 @@
           <a:xfrm>
             <a:off x="10912954" y="5531819"/>
             <a:ext cx="904014" cy="324000"/>
-          </a:xfrm>
-          <a:prstGeom prst="rect">
-            <a:avLst/>
-          </a:prstGeom>
-          <a:noFill/>
-          <a:extLst>
-            <a:ext uri="{909E8E84-426E-40DD-AFC4-6F175D3DCCD1}">
-              <a14:hiddenFill xmlns:a14="http://schemas.microsoft.com/office/drawing/2010/main">
-                <a:solidFill>
-                  <a:srgbClr val="FFFFFF"/>
-                </a:solidFill>
-              </a14:hiddenFill>
-            </a:ext>
-          </a:extLst>
-        </p:spPr>
-      </p:pic>
-      <p:pic>
-        <p:nvPicPr>
-          <p:cNvPr id="18" name="Picture 2" descr="Logo">
-            <a:extLst>
-              <a:ext uri="{FF2B5EF4-FFF2-40B4-BE49-F238E27FC236}">
-                <a16:creationId xmlns:a16="http://schemas.microsoft.com/office/drawing/2014/main" id="{959381CA-1628-408E-A68D-6361D5379E56}"/>
-              </a:ext>
-            </a:extLst>
-          </p:cNvPr>
-          <p:cNvPicPr>
-            <a:picLocks noChangeAspect="1" noChangeArrowheads="1"/>
-          </p:cNvPicPr>
-          <p:nvPr/>
-        </p:nvPicPr>
-        <p:blipFill>
-          <a:blip r:embed="rId13">
-            <a:extLst>
-              <a:ext uri="{28A0092B-C50C-407E-A947-70E740481C1C}">
-                <a14:useLocalDpi xmlns:a14="http://schemas.microsoft.com/office/drawing/2010/main" val="0"/>
-              </a:ext>
-            </a:extLst>
-          </a:blip>
-          <a:srcRect/>
-          <a:stretch>
-            <a:fillRect/>
-          </a:stretch>
-        </p:blipFill>
-        <p:spPr bwMode="auto">
-          <a:xfrm>
-            <a:off x="9709789" y="5549819"/>
-            <a:ext cx="1067519" cy="288000"/>
           </a:xfrm>
           <a:prstGeom prst="rect">
             <a:avLst/>
